--- a/public/img/template1.pptx
+++ b/public/img/template1.pptx
@@ -2985,7 +2985,7 @@
           <a:noFill/>
           <a:ln w="28575" cap="flat" cmpd="sng" algn="ctr">
             <a:solidFill>
-              <a:schemeClr val="dk1"/>
+              <a:srgbClr val="005FBD"/>
             </a:solidFill>
             <a:prstDash val="solid"/>
             <a:round/>
